--- a/ED-Tema-4/4.3 Ejercicios_Cynthia Jasmine Morales Torres.pptx
+++ b/ED-Tema-4/4.3 Ejercicios_Cynthia Jasmine Morales Torres.pptx
@@ -8,12 +8,10 @@
     <p:sldId id="256" r:id="rId2"/>
     <p:sldId id="257" r:id="rId3"/>
     <p:sldId id="258" r:id="rId4"/>
-    <p:sldId id="260" r:id="rId5"/>
-    <p:sldId id="261" r:id="rId6"/>
-    <p:sldId id="264" r:id="rId7"/>
-    <p:sldId id="263" r:id="rId8"/>
-    <p:sldId id="259" r:id="rId9"/>
-    <p:sldId id="262" r:id="rId10"/>
+    <p:sldId id="263" r:id="rId5"/>
+    <p:sldId id="264" r:id="rId6"/>
+    <p:sldId id="259" r:id="rId7"/>
+    <p:sldId id="262" r:id="rId8"/>
   </p:sldIdLst>
   <p:sldSz cx="12192000" cy="6858000"/>
   <p:notesSz cx="6858000" cy="9144000"/>
@@ -112,6 +110,11 @@
       </a:defRPr>
     </a:lvl9pPr>
   </p:defaultTextStyle>
+  <p:extLst>
+    <p:ext uri="{EFAFB233-063F-42B5-8137-9DF3F51BA10A}">
+      <p15:sldGuideLst xmlns:p15="http://schemas.microsoft.com/office/powerpoint/2012/main"/>
+    </p:ext>
+  </p:extLst>
 </p:presentation>
 </file>
 
@@ -264,7 +267,7 @@
           <a:p>
             <a:fld id="{EFAC9756-930A-4FAB-896B-7171E694E195}" type="datetimeFigureOut">
               <a:rPr lang="es-MX" smtClean="0"/>
-              <a:t>13/12/2025</a:t>
+              <a:t>14/12/2025</a:t>
             </a:fld>
             <a:endParaRPr lang="es-MX"/>
           </a:p>
@@ -464,7 +467,7 @@
           <a:p>
             <a:fld id="{EFAC9756-930A-4FAB-896B-7171E694E195}" type="datetimeFigureOut">
               <a:rPr lang="es-MX" smtClean="0"/>
-              <a:t>13/12/2025</a:t>
+              <a:t>14/12/2025</a:t>
             </a:fld>
             <a:endParaRPr lang="es-MX"/>
           </a:p>
@@ -674,7 +677,7 @@
           <a:p>
             <a:fld id="{EFAC9756-930A-4FAB-896B-7171E694E195}" type="datetimeFigureOut">
               <a:rPr lang="es-MX" smtClean="0"/>
-              <a:t>13/12/2025</a:t>
+              <a:t>14/12/2025</a:t>
             </a:fld>
             <a:endParaRPr lang="es-MX"/>
           </a:p>
@@ -874,7 +877,7 @@
           <a:p>
             <a:fld id="{EFAC9756-930A-4FAB-896B-7171E694E195}" type="datetimeFigureOut">
               <a:rPr lang="es-MX" smtClean="0"/>
-              <a:t>13/12/2025</a:t>
+              <a:t>14/12/2025</a:t>
             </a:fld>
             <a:endParaRPr lang="es-MX"/>
           </a:p>
@@ -1150,7 +1153,7 @@
           <a:p>
             <a:fld id="{EFAC9756-930A-4FAB-896B-7171E694E195}" type="datetimeFigureOut">
               <a:rPr lang="es-MX" smtClean="0"/>
-              <a:t>13/12/2025</a:t>
+              <a:t>14/12/2025</a:t>
             </a:fld>
             <a:endParaRPr lang="es-MX"/>
           </a:p>
@@ -1418,7 +1421,7 @@
           <a:p>
             <a:fld id="{EFAC9756-930A-4FAB-896B-7171E694E195}" type="datetimeFigureOut">
               <a:rPr lang="es-MX" smtClean="0"/>
-              <a:t>13/12/2025</a:t>
+              <a:t>14/12/2025</a:t>
             </a:fld>
             <a:endParaRPr lang="es-MX"/>
           </a:p>
@@ -1833,7 +1836,7 @@
           <a:p>
             <a:fld id="{EFAC9756-930A-4FAB-896B-7171E694E195}" type="datetimeFigureOut">
               <a:rPr lang="es-MX" smtClean="0"/>
-              <a:t>13/12/2025</a:t>
+              <a:t>14/12/2025</a:t>
             </a:fld>
             <a:endParaRPr lang="es-MX"/>
           </a:p>
@@ -1975,7 +1978,7 @@
           <a:p>
             <a:fld id="{EFAC9756-930A-4FAB-896B-7171E694E195}" type="datetimeFigureOut">
               <a:rPr lang="es-MX" smtClean="0"/>
-              <a:t>13/12/2025</a:t>
+              <a:t>14/12/2025</a:t>
             </a:fld>
             <a:endParaRPr lang="es-MX"/>
           </a:p>
@@ -2088,7 +2091,7 @@
           <a:p>
             <a:fld id="{EFAC9756-930A-4FAB-896B-7171E694E195}" type="datetimeFigureOut">
               <a:rPr lang="es-MX" smtClean="0"/>
-              <a:t>13/12/2025</a:t>
+              <a:t>14/12/2025</a:t>
             </a:fld>
             <a:endParaRPr lang="es-MX"/>
           </a:p>
@@ -2401,7 +2404,7 @@
           <a:p>
             <a:fld id="{EFAC9756-930A-4FAB-896B-7171E694E195}" type="datetimeFigureOut">
               <a:rPr lang="es-MX" smtClean="0"/>
-              <a:t>13/12/2025</a:t>
+              <a:t>14/12/2025</a:t>
             </a:fld>
             <a:endParaRPr lang="es-MX"/>
           </a:p>
@@ -2690,7 +2693,7 @@
           <a:p>
             <a:fld id="{EFAC9756-930A-4FAB-896B-7171E694E195}" type="datetimeFigureOut">
               <a:rPr lang="es-MX" smtClean="0"/>
-              <a:t>13/12/2025</a:t>
+              <a:t>14/12/2025</a:t>
             </a:fld>
             <a:endParaRPr lang="es-MX"/>
           </a:p>
@@ -2963,7 +2966,7 @@
           <a:p>
             <a:fld id="{EFAC9756-930A-4FAB-896B-7171E694E195}" type="datetimeFigureOut">
               <a:rPr lang="es-MX" smtClean="0"/>
-              <a:t>13/12/2025</a:t>
+              <a:t>14/12/2025</a:t>
             </a:fld>
             <a:endParaRPr lang="es-MX"/>
           </a:p>
@@ -4035,7 +4038,7 @@
                 <a:cs typeface="Glacial Indifference"/>
                 <a:sym typeface="Glacial Indifference"/>
               </a:rPr>
-              <a:t>Ejercicios</a:t>
+              <a:t>Ejercicio</a:t>
             </a:r>
             <a:r>
               <a:rPr lang="en-US" sz="1200" b="1" dirty="0">
@@ -4215,7 +4218,7 @@
                 <a:cs typeface="Glacial Indifference"/>
                 <a:sym typeface="Glacial Indifference"/>
               </a:rPr>
-              <a:t>, Chiapas. A 13 de </a:t>
+              <a:t>, Chiapas. A 29 de </a:t>
             </a:r>
             <a:r>
               <a:rPr lang="en-US" sz="1200" b="1" dirty="0" err="1">
@@ -4227,7 +4230,7 @@
                 <a:cs typeface="Glacial Indifference"/>
                 <a:sym typeface="Glacial Indifference"/>
               </a:rPr>
-              <a:t>diciembre</a:t>
+              <a:t>noviembre</a:t>
             </a:r>
             <a:r>
               <a:rPr lang="en-US" sz="1200" b="1" dirty="0">
@@ -4663,7 +4666,7 @@
           <p:cNvPr id="2" name="Título 1">
             <a:extLst>
               <a:ext uri="{FF2B5EF4-FFF2-40B4-BE49-F238E27FC236}">
-                <a16:creationId xmlns:a16="http://schemas.microsoft.com/office/drawing/2014/main" id="{E8D731C4-060D-A035-721D-5A8672740C47}"/>
+                <a16:creationId xmlns:a16="http://schemas.microsoft.com/office/drawing/2014/main" id="{5B59B604-401F-1D79-DB3B-6C273D9AAC77}"/>
               </a:ext>
             </a:extLst>
           </p:cNvPr>
@@ -4674,23 +4677,14 @@
             <p:ph type="title"/>
           </p:nvPr>
         </p:nvSpPr>
-        <p:spPr>
-          <a:xfrm>
-            <a:off x="838199" y="365125"/>
-            <a:ext cx="11090097" cy="1083531"/>
-          </a:xfrm>
-        </p:spPr>
-        <p:txBody>
-          <a:bodyPr>
-            <a:normAutofit/>
-          </a:bodyPr>
-          <a:lstStyle/>
-          <a:p>
-            <a:r>
-              <a:rPr lang="es-MX" sz="3600" dirty="0">
-                <a:latin typeface="Century Gothic" panose="020B0502020202020204" pitchFamily="34" charset="0"/>
-              </a:rPr>
-              <a:t>ESTRUCTURAS NO LINEALES: ARBOL BINARIO</a:t>
+        <p:spPr/>
+        <p:txBody>
+          <a:bodyPr/>
+          <a:lstStyle/>
+          <a:p>
+            <a:r>
+              <a:rPr lang="es-MX" dirty="0"/>
+              <a:t>ESTRUCTURAS NO LINEALES</a:t>
             </a:r>
           </a:p>
         </p:txBody>
@@ -4700,7 +4694,7 @@
           <p:cNvPr id="5" name="Marcador de contenido 4">
             <a:extLst>
               <a:ext uri="{FF2B5EF4-FFF2-40B4-BE49-F238E27FC236}">
-                <a16:creationId xmlns:a16="http://schemas.microsoft.com/office/drawing/2014/main" id="{8BD7C0F9-7E23-4725-DA81-E89DF0F6F49F}"/>
+                <a16:creationId xmlns:a16="http://schemas.microsoft.com/office/drawing/2014/main" id="{EA9213EC-5461-F94C-7F6A-3EE3BA61E38F}"/>
               </a:ext>
             </a:extLst>
           </p:cNvPr>
@@ -4719,17 +4713,17 @@
         </p:blipFill>
         <p:spPr>
           <a:xfrm>
-            <a:off x="838199" y="1448656"/>
-            <a:ext cx="3268802" cy="2818294"/>
+            <a:off x="2507262" y="1476305"/>
+            <a:ext cx="4900406" cy="3049437"/>
           </a:xfrm>
         </p:spPr>
       </p:pic>
       <p:pic>
         <p:nvPicPr>
-          <p:cNvPr id="7" name="Imagen 6">
-            <a:extLst>
-              <a:ext uri="{FF2B5EF4-FFF2-40B4-BE49-F238E27FC236}">
-                <a16:creationId xmlns:a16="http://schemas.microsoft.com/office/drawing/2014/main" id="{E2D45F27-3BE2-CE0C-173B-AC1D6C313465}"/>
+          <p:cNvPr id="6" name="Marcador de contenido 4">
+            <a:extLst>
+              <a:ext uri="{FF2B5EF4-FFF2-40B4-BE49-F238E27FC236}">
+                <a16:creationId xmlns:a16="http://schemas.microsoft.com/office/drawing/2014/main" id="{82347EFE-ED14-EE79-37A7-A1479B8E5FFF}"/>
               </a:ext>
             </a:extLst>
           </p:cNvPr>
@@ -4746,90 +4740,30 @@
         </p:blipFill>
         <p:spPr>
           <a:xfrm>
-            <a:off x="755381" y="4386284"/>
-            <a:ext cx="3647360" cy="2312467"/>
+            <a:off x="7895178" y="617312"/>
+            <a:ext cx="3621125" cy="3908430"/>
           </a:xfrm>
           <a:prstGeom prst="rect">
             <a:avLst/>
           </a:prstGeom>
         </p:spPr>
       </p:pic>
-      <p:pic>
-        <p:nvPicPr>
-          <p:cNvPr id="9" name="Imagen 8">
-            <a:extLst>
-              <a:ext uri="{FF2B5EF4-FFF2-40B4-BE49-F238E27FC236}">
-                <a16:creationId xmlns:a16="http://schemas.microsoft.com/office/drawing/2014/main" id="{2DC81F2F-DEA9-BBA3-7F96-3F85C9F09F4A}"/>
-              </a:ext>
-            </a:extLst>
-          </p:cNvPr>
-          <p:cNvPicPr>
-            <a:picLocks noChangeAspect="1"/>
-          </p:cNvPicPr>
+      <p:sp>
+        <p:nvSpPr>
+          <p:cNvPr id="8" name="CuadroTexto 7">
+            <a:extLst>
+              <a:ext uri="{FF2B5EF4-FFF2-40B4-BE49-F238E27FC236}">
+                <a16:creationId xmlns:a16="http://schemas.microsoft.com/office/drawing/2014/main" id="{1D09C7D3-C0A1-DE49-B1AD-41042F5EED71}"/>
+              </a:ext>
+            </a:extLst>
+          </p:cNvPr>
+          <p:cNvSpPr txBox="1"/>
           <p:nvPr/>
-        </p:nvPicPr>
-        <p:blipFill>
-          <a:blip r:embed="rId4"/>
-          <a:stretch>
-            <a:fillRect/>
-          </a:stretch>
-        </p:blipFill>
+        </p:nvSpPr>
         <p:spPr>
           <a:xfrm>
-            <a:off x="4556331" y="1712277"/>
-            <a:ext cx="3653832" cy="2291052"/>
-          </a:xfrm>
-          <a:prstGeom prst="rect">
-            <a:avLst/>
-          </a:prstGeom>
-        </p:spPr>
-      </p:pic>
-      <p:pic>
-        <p:nvPicPr>
-          <p:cNvPr id="11" name="Imagen 10">
-            <a:extLst>
-              <a:ext uri="{FF2B5EF4-FFF2-40B4-BE49-F238E27FC236}">
-                <a16:creationId xmlns:a16="http://schemas.microsoft.com/office/drawing/2014/main" id="{1F8999FA-3DAF-8902-AB9A-0A550ADE18E8}"/>
-              </a:ext>
-            </a:extLst>
-          </p:cNvPr>
-          <p:cNvPicPr>
-            <a:picLocks noChangeAspect="1"/>
-          </p:cNvPicPr>
-          <p:nvPr/>
-        </p:nvPicPr>
-        <p:blipFill>
-          <a:blip r:embed="rId5"/>
-          <a:stretch>
-            <a:fillRect/>
-          </a:stretch>
-        </p:blipFill>
-        <p:spPr>
-          <a:xfrm>
-            <a:off x="4712798" y="4266950"/>
-            <a:ext cx="3647361" cy="2466750"/>
-          </a:xfrm>
-          <a:prstGeom prst="rect">
-            <a:avLst/>
-          </a:prstGeom>
-        </p:spPr>
-      </p:pic>
-      <p:sp>
-        <p:nvSpPr>
-          <p:cNvPr id="13" name="CuadroTexto 12">
-            <a:extLst>
-              <a:ext uri="{FF2B5EF4-FFF2-40B4-BE49-F238E27FC236}">
-                <a16:creationId xmlns:a16="http://schemas.microsoft.com/office/drawing/2014/main" id="{D7E1DA72-6C31-A11C-39E5-560F281F7CD6}"/>
-              </a:ext>
-            </a:extLst>
-          </p:cNvPr>
-          <p:cNvSpPr txBox="1"/>
-          <p:nvPr/>
-        </p:nvSpPr>
-        <p:spPr>
-          <a:xfrm>
-            <a:off x="8360159" y="1729233"/>
-            <a:ext cx="3547153" cy="1754326"/>
+            <a:off x="969456" y="4732838"/>
+            <a:ext cx="7825221" cy="2031325"/>
           </a:xfrm>
           <a:prstGeom prst="rect">
             <a:avLst/>
@@ -4847,57 +4781,43 @@
               <a:rPr lang="es-MX" dirty="0">
                 <a:latin typeface="Century Gothic" panose="020B0502020202020204" pitchFamily="34" charset="0"/>
               </a:rPr>
-              <a:t>Este código implementa un </a:t>
+              <a:t>El proyecto consiste en una aplicación </a:t>
+            </a:r>
+            <a:r>
+              <a:rPr lang="es-MX" dirty="0" err="1">
+                <a:latin typeface="Century Gothic" panose="020B0502020202020204" pitchFamily="34" charset="0"/>
+              </a:rPr>
+              <a:t>JavaFX</a:t>
+            </a:r>
+            <a:r>
+              <a:rPr lang="es-MX" dirty="0">
+                <a:latin typeface="Century Gothic" panose="020B0502020202020204" pitchFamily="34" charset="0"/>
+              </a:rPr>
+              <a:t> que permite </a:t>
             </a:r>
             <a:r>
               <a:rPr lang="es-MX" b="1" dirty="0">
                 <a:latin typeface="Century Gothic" panose="020B0502020202020204" pitchFamily="34" charset="0"/>
               </a:rPr>
-              <a:t>árbol binario de búsqueda</a:t>
+              <a:t>manipular estructuras no lineales</a:t>
             </a:r>
             <a:r>
               <a:rPr lang="es-MX" dirty="0">
                 <a:latin typeface="Century Gothic" panose="020B0502020202020204" pitchFamily="34" charset="0"/>
               </a:rPr>
-              <a:t>, una estructura de datos no lineal en la que cada nodo puede tener hasta dos hijos: uno izquierdo y uno derecho.</a:t>
-            </a:r>
-          </a:p>
-        </p:txBody>
-      </p:sp>
-      <p:sp>
-        <p:nvSpPr>
-          <p:cNvPr id="15" name="CuadroTexto 14">
-            <a:extLst>
-              <a:ext uri="{FF2B5EF4-FFF2-40B4-BE49-F238E27FC236}">
-                <a16:creationId xmlns:a16="http://schemas.microsoft.com/office/drawing/2014/main" id="{344B38CC-2FBA-CCAF-3BFD-D5EA521C9221}"/>
-              </a:ext>
-            </a:extLst>
-          </p:cNvPr>
-          <p:cNvSpPr txBox="1"/>
-          <p:nvPr/>
-        </p:nvSpPr>
-        <p:spPr>
-          <a:xfrm>
-            <a:off x="8638510" y="3922309"/>
-            <a:ext cx="3268802" cy="2308324"/>
-          </a:xfrm>
-          <a:prstGeom prst="rect">
-            <a:avLst/>
-          </a:prstGeom>
-          <a:noFill/>
-        </p:spPr>
-        <p:txBody>
-          <a:bodyPr wrap="square">
-            <a:spAutoFit/>
-          </a:bodyPr>
-          <a:lstStyle/>
-          <a:p>
-            <a:pPr algn="just"/>
+              <a:t>, específicamente </a:t>
+            </a:r>
+            <a:r>
+              <a:rPr lang="es-MX" b="1" dirty="0">
+                <a:latin typeface="Century Gothic" panose="020B0502020202020204" pitchFamily="34" charset="0"/>
+              </a:rPr>
+              <a:t>árboles binarios y grafos</a:t>
+            </a:r>
             <a:r>
               <a:rPr lang="es-MX" dirty="0">
                 <a:latin typeface="Century Gothic" panose="020B0502020202020204" pitchFamily="34" charset="0"/>
               </a:rPr>
-              <a:t>Este código permite crear y manipular un árbol binario de búsqueda, insertar valores manteniendo el orden y recorrer la estructura de distintas formas para analizar su contenido.</a:t>
+              <a:t>. La aplicación tiene una interfaz gráfica que facilita: insertar y recorrer datos en un árbol, así como agregar vértices y aristas en un grafo, mostrando los resultados de forma interactiva. Todo esto se gestiona desde un menú principal que permite navegar entre las secciones.</a:t>
             </a:r>
           </a:p>
         </p:txBody>
@@ -4905,7 +4825,7 @@
     </p:spTree>
     <p:extLst>
       <p:ext uri="{BB962C8B-B14F-4D97-AF65-F5344CB8AC3E}">
-        <p14:creationId xmlns:p14="http://schemas.microsoft.com/office/powerpoint/2010/main" val="2163009129"/>
+        <p14:creationId xmlns:p14="http://schemas.microsoft.com/office/powerpoint/2010/main" val="2227890276"/>
       </p:ext>
     </p:extLst>
   </p:cSld>
@@ -4937,7 +4857,7 @@
           <p:cNvPr id="2" name="Título 1">
             <a:extLst>
               <a:ext uri="{FF2B5EF4-FFF2-40B4-BE49-F238E27FC236}">
-                <a16:creationId xmlns:a16="http://schemas.microsoft.com/office/drawing/2014/main" id="{CD644AA3-5010-875B-4182-61E352E8A00D}"/>
+                <a16:creationId xmlns:a16="http://schemas.microsoft.com/office/drawing/2014/main" id="{40A03F44-E9A2-09C4-2F94-2C755CF5B51E}"/>
               </a:ext>
             </a:extLst>
           </p:cNvPr>
@@ -4955,17 +4875,17 @@
           <a:p>
             <a:r>
               <a:rPr lang="es-MX" dirty="0"/>
-              <a:t>Resultado del árbol binario </a:t>
+              <a:t>Pantallas finales</a:t>
             </a:r>
           </a:p>
         </p:txBody>
       </p:sp>
       <p:pic>
         <p:nvPicPr>
-          <p:cNvPr id="5" name="Marcador de contenido 4">
-            <a:extLst>
-              <a:ext uri="{FF2B5EF4-FFF2-40B4-BE49-F238E27FC236}">
-                <a16:creationId xmlns:a16="http://schemas.microsoft.com/office/drawing/2014/main" id="{5566C1AE-95A4-045C-E457-B2BB4EC66287}"/>
+          <p:cNvPr id="4" name="Marcador de contenido 3">
+            <a:extLst>
+              <a:ext uri="{FF2B5EF4-FFF2-40B4-BE49-F238E27FC236}">
+                <a16:creationId xmlns:a16="http://schemas.microsoft.com/office/drawing/2014/main" id="{56C85FEA-2C3C-5B2C-477B-DF77D8D63C12}"/>
               </a:ext>
             </a:extLst>
           </p:cNvPr>
@@ -4984,17 +4904,20 @@
         </p:blipFill>
         <p:spPr>
           <a:xfrm>
-            <a:off x="185950" y="1813437"/>
-            <a:ext cx="5566266" cy="2619419"/>
+            <a:off x="1028070" y="1690688"/>
+            <a:ext cx="2782733" cy="2957174"/>
           </a:xfrm>
+          <a:prstGeom prst="rect">
+            <a:avLst/>
+          </a:prstGeom>
         </p:spPr>
       </p:pic>
       <p:pic>
         <p:nvPicPr>
-          <p:cNvPr id="7" name="Imagen 6">
-            <a:extLst>
-              <a:ext uri="{FF2B5EF4-FFF2-40B4-BE49-F238E27FC236}">
-                <a16:creationId xmlns:a16="http://schemas.microsoft.com/office/drawing/2014/main" id="{7396C603-3C9F-493C-2A53-6E1A10AC1D7F}"/>
+          <p:cNvPr id="5" name="Marcador de contenido 4">
+            <a:extLst>
+              <a:ext uri="{FF2B5EF4-FFF2-40B4-BE49-F238E27FC236}">
+                <a16:creationId xmlns:a16="http://schemas.microsoft.com/office/drawing/2014/main" id="{A824EB64-8AA5-C8B4-083C-7D0CFBFF2733}"/>
               </a:ext>
             </a:extLst>
           </p:cNvPr>
@@ -5011,18 +4934,378 @@
         </p:blipFill>
         <p:spPr>
           <a:xfrm>
-            <a:off x="6306313" y="1813437"/>
-            <a:ext cx="5187639" cy="3693877"/>
+            <a:off x="6294508" y="1716443"/>
+            <a:ext cx="2782733" cy="2948619"/>
           </a:xfrm>
           <a:prstGeom prst="rect">
             <a:avLst/>
           </a:prstGeom>
         </p:spPr>
       </p:pic>
+      <p:sp>
+        <p:nvSpPr>
+          <p:cNvPr id="6" name="Rectangle 1">
+            <a:extLst>
+              <a:ext uri="{FF2B5EF4-FFF2-40B4-BE49-F238E27FC236}">
+                <a16:creationId xmlns:a16="http://schemas.microsoft.com/office/drawing/2014/main" id="{3B783613-D71E-03FC-E41A-D23C00B8F49E}"/>
+              </a:ext>
+            </a:extLst>
+          </p:cNvPr>
+          <p:cNvSpPr>
+            <a:spLocks noChangeArrowheads="1"/>
+          </p:cNvSpPr>
+          <p:nvPr/>
+        </p:nvSpPr>
+        <p:spPr bwMode="auto">
+          <a:xfrm>
+            <a:off x="360704" y="4778148"/>
+            <a:ext cx="5629329" cy="1754326"/>
+          </a:xfrm>
+          <a:prstGeom prst="rect">
+            <a:avLst/>
+          </a:prstGeom>
+          <a:noFill/>
+          <a:ln>
+            <a:noFill/>
+          </a:ln>
+          <a:effectLst/>
+          <a:extLst>
+            <a:ext uri="{909E8E84-426E-40DD-AFC4-6F175D3DCCD1}">
+              <a14:hiddenFill xmlns:a14="http://schemas.microsoft.com/office/drawing/2010/main">
+                <a:solidFill>
+                  <a:schemeClr val="accent1"/>
+                </a:solidFill>
+              </a14:hiddenFill>
+            </a:ext>
+            <a:ext uri="{91240B29-F687-4F45-9708-019B960494DF}">
+              <a14:hiddenLine xmlns:a14="http://schemas.microsoft.com/office/drawing/2010/main" w="9525">
+                <a:solidFill>
+                  <a:schemeClr val="tx1"/>
+                </a:solidFill>
+                <a:miter lim="800000"/>
+                <a:headEnd/>
+                <a:tailEnd/>
+              </a14:hiddenLine>
+            </a:ext>
+            <a:ext uri="{AF507438-7753-43E0-B8FC-AC1667EBCBE1}">
+              <a14:hiddenEffects xmlns:a14="http://schemas.microsoft.com/office/drawing/2010/main">
+                <a:effectLst>
+                  <a:outerShdw dist="35921" dir="2700000" algn="ctr" rotWithShape="0">
+                    <a:schemeClr val="bg2"/>
+                  </a:outerShdw>
+                </a:effectLst>
+              </a14:hiddenEffects>
+            </a:ext>
+          </a:extLst>
+        </p:spPr>
+        <p:txBody>
+          <a:bodyPr vert="horz" wrap="square" lIns="91440" tIns="45720" rIns="91440" bIns="45720" numCol="1" anchor="ctr" anchorCtr="0" compatLnSpc="1">
+            <a:prstTxWarp prst="textNoShape">
+              <a:avLst/>
+            </a:prstTxWarp>
+            <a:spAutoFit/>
+          </a:bodyPr>
+          <a:lstStyle/>
+          <a:p>
+            <a:pPr marL="0" marR="0" lvl="0" indent="0" algn="l" defTabSz="914400" rtl="0" eaLnBrk="0" fontAlgn="base" latinLnBrk="0" hangingPunct="0">
+              <a:lnSpc>
+                <a:spcPct val="100000"/>
+              </a:lnSpc>
+              <a:spcBef>
+                <a:spcPct val="0"/>
+              </a:spcBef>
+              <a:spcAft>
+                <a:spcPct val="0"/>
+              </a:spcAft>
+              <a:buClrTx/>
+              <a:buSzTx/>
+              <a:buFontTx/>
+              <a:buChar char="•"/>
+              <a:tabLst/>
+            </a:pPr>
+            <a:r>
+              <a:rPr lang="es-MX" altLang="es-MX" dirty="0">
+                <a:latin typeface="Century Gothic" panose="020B0502020202020204" pitchFamily="34" charset="0"/>
+              </a:rPr>
+              <a:t>Permite insertar números en un árbol binario.</a:t>
+            </a:r>
+          </a:p>
+          <a:p>
+            <a:pPr marL="0" marR="0" lvl="0" indent="0" algn="l" defTabSz="914400" rtl="0" eaLnBrk="0" fontAlgn="base" latinLnBrk="0" hangingPunct="0">
+              <a:lnSpc>
+                <a:spcPct val="100000"/>
+              </a:lnSpc>
+              <a:spcBef>
+                <a:spcPct val="0"/>
+              </a:spcBef>
+              <a:spcAft>
+                <a:spcPct val="0"/>
+              </a:spcAft>
+              <a:buClrTx/>
+              <a:buSzTx/>
+              <a:buFontTx/>
+              <a:buChar char="•"/>
+              <a:tabLst/>
+            </a:pPr>
+            <a:r>
+              <a:rPr lang="es-MX" altLang="es-MX" dirty="0">
+                <a:latin typeface="Century Gothic" panose="020B0502020202020204" pitchFamily="34" charset="0"/>
+              </a:rPr>
+              <a:t>Muestra el recorrido </a:t>
+            </a:r>
+            <a:r>
+              <a:rPr lang="es-MX" altLang="es-MX" dirty="0" err="1">
+                <a:latin typeface="Century Gothic" panose="020B0502020202020204" pitchFamily="34" charset="0"/>
+              </a:rPr>
+              <a:t>inorden</a:t>
+            </a:r>
+            <a:r>
+              <a:rPr lang="es-MX" altLang="es-MX" dirty="0">
+                <a:latin typeface="Century Gothic" panose="020B0502020202020204" pitchFamily="34" charset="0"/>
+              </a:rPr>
+              <a:t> del árbol.</a:t>
+            </a:r>
+          </a:p>
+          <a:p>
+            <a:pPr marL="0" marR="0" lvl="0" indent="0" algn="l" defTabSz="914400" rtl="0" eaLnBrk="0" fontAlgn="base" latinLnBrk="0" hangingPunct="0">
+              <a:lnSpc>
+                <a:spcPct val="100000"/>
+              </a:lnSpc>
+              <a:spcBef>
+                <a:spcPct val="0"/>
+              </a:spcBef>
+              <a:spcAft>
+                <a:spcPct val="0"/>
+              </a:spcAft>
+              <a:buClrTx/>
+              <a:buSzTx/>
+              <a:buFontTx/>
+              <a:buChar char="•"/>
+              <a:tabLst/>
+            </a:pPr>
+            <a:r>
+              <a:rPr lang="es-MX" altLang="es-MX" dirty="0">
+                <a:latin typeface="Century Gothic" panose="020B0502020202020204" pitchFamily="34" charset="0"/>
+              </a:rPr>
+              <a:t>Tiene un botón para regresar al menú.</a:t>
+            </a:r>
+          </a:p>
+          <a:p>
+            <a:pPr marL="0" marR="0" lvl="0" indent="0" algn="l" defTabSz="914400" rtl="0" eaLnBrk="0" fontAlgn="base" latinLnBrk="0" hangingPunct="0">
+              <a:lnSpc>
+                <a:spcPct val="100000"/>
+              </a:lnSpc>
+              <a:spcBef>
+                <a:spcPct val="0"/>
+              </a:spcBef>
+              <a:spcAft>
+                <a:spcPct val="0"/>
+              </a:spcAft>
+              <a:buClrTx/>
+              <a:buSzTx/>
+              <a:buFontTx/>
+              <a:buChar char="•"/>
+              <a:tabLst/>
+            </a:pPr>
+            <a:r>
+              <a:rPr lang="es-MX" altLang="es-MX" dirty="0">
+                <a:latin typeface="Century Gothic" panose="020B0502020202020204" pitchFamily="34" charset="0"/>
+              </a:rPr>
+              <a:t>Funciona mediante un </a:t>
+            </a:r>
+            <a:r>
+              <a:rPr lang="es-MX" altLang="es-MX" dirty="0" err="1">
+                <a:latin typeface="Century Gothic" panose="020B0502020202020204" pitchFamily="34" charset="0"/>
+              </a:rPr>
+              <a:t>ArbolController</a:t>
+            </a:r>
+            <a:r>
+              <a:rPr lang="es-MX" altLang="es-MX" dirty="0">
+                <a:latin typeface="Century Gothic" panose="020B0502020202020204" pitchFamily="34" charset="0"/>
+              </a:rPr>
+              <a:t> que gestiona la estructura </a:t>
+            </a:r>
+            <a:r>
+              <a:rPr lang="es-MX" altLang="es-MX" dirty="0" err="1">
+                <a:latin typeface="Century Gothic" panose="020B0502020202020204" pitchFamily="34" charset="0"/>
+              </a:rPr>
+              <a:t>ArbolBinario</a:t>
+            </a:r>
+            <a:r>
+              <a:rPr lang="es-MX" altLang="es-MX" dirty="0">
+                <a:latin typeface="Century Gothic" panose="020B0502020202020204" pitchFamily="34" charset="0"/>
+              </a:rPr>
+              <a:t> y actualiza los resultados en la interfaz.</a:t>
+            </a:r>
+          </a:p>
+        </p:txBody>
+      </p:sp>
+      <p:sp>
+        <p:nvSpPr>
+          <p:cNvPr id="7" name="Rectangle 2">
+            <a:extLst>
+              <a:ext uri="{FF2B5EF4-FFF2-40B4-BE49-F238E27FC236}">
+                <a16:creationId xmlns:a16="http://schemas.microsoft.com/office/drawing/2014/main" id="{9D313D65-D2A0-1AB8-CDBA-6DB0D0AF6C13}"/>
+              </a:ext>
+            </a:extLst>
+          </p:cNvPr>
+          <p:cNvSpPr>
+            <a:spLocks noChangeArrowheads="1"/>
+          </p:cNvSpPr>
+          <p:nvPr/>
+        </p:nvSpPr>
+        <p:spPr bwMode="auto">
+          <a:xfrm>
+            <a:off x="6201969" y="4639648"/>
+            <a:ext cx="5750545" cy="2031325"/>
+          </a:xfrm>
+          <a:prstGeom prst="rect">
+            <a:avLst/>
+          </a:prstGeom>
+          <a:noFill/>
+          <a:ln>
+            <a:noFill/>
+          </a:ln>
+          <a:effectLst/>
+          <a:extLst>
+            <a:ext uri="{909E8E84-426E-40DD-AFC4-6F175D3DCCD1}">
+              <a14:hiddenFill xmlns:a14="http://schemas.microsoft.com/office/drawing/2010/main">
+                <a:solidFill>
+                  <a:schemeClr val="accent1"/>
+                </a:solidFill>
+              </a14:hiddenFill>
+            </a:ext>
+            <a:ext uri="{91240B29-F687-4F45-9708-019B960494DF}">
+              <a14:hiddenLine xmlns:a14="http://schemas.microsoft.com/office/drawing/2010/main" w="9525">
+                <a:solidFill>
+                  <a:schemeClr val="tx1"/>
+                </a:solidFill>
+                <a:miter lim="800000"/>
+                <a:headEnd/>
+                <a:tailEnd/>
+              </a14:hiddenLine>
+            </a:ext>
+            <a:ext uri="{AF507438-7753-43E0-B8FC-AC1667EBCBE1}">
+              <a14:hiddenEffects xmlns:a14="http://schemas.microsoft.com/office/drawing/2010/main">
+                <a:effectLst>
+                  <a:outerShdw dist="35921" dir="2700000" algn="ctr" rotWithShape="0">
+                    <a:schemeClr val="bg2"/>
+                  </a:outerShdw>
+                </a:effectLst>
+              </a14:hiddenEffects>
+            </a:ext>
+          </a:extLst>
+        </p:spPr>
+        <p:txBody>
+          <a:bodyPr vert="horz" wrap="square" lIns="91440" tIns="45720" rIns="91440" bIns="45720" numCol="1" anchor="ctr" anchorCtr="0" compatLnSpc="1">
+            <a:prstTxWarp prst="textNoShape">
+              <a:avLst/>
+            </a:prstTxWarp>
+            <a:spAutoFit/>
+          </a:bodyPr>
+          <a:lstStyle/>
+          <a:p>
+            <a:pPr marL="0" marR="0" lvl="0" indent="0" algn="l" defTabSz="914400" rtl="0" eaLnBrk="0" fontAlgn="base" latinLnBrk="0" hangingPunct="0">
+              <a:lnSpc>
+                <a:spcPct val="100000"/>
+              </a:lnSpc>
+              <a:spcBef>
+                <a:spcPct val="0"/>
+              </a:spcBef>
+              <a:spcAft>
+                <a:spcPct val="0"/>
+              </a:spcAft>
+              <a:buClrTx/>
+              <a:buSzTx/>
+              <a:buFontTx/>
+              <a:buChar char="•"/>
+              <a:tabLst/>
+            </a:pPr>
+            <a:r>
+              <a:rPr lang="es-MX" altLang="es-MX">
+                <a:latin typeface="Century Gothic" panose="020B0502020202020204" pitchFamily="34" charset="0"/>
+              </a:rPr>
+              <a:t>Permite agregar vértices y crear aristas entre ellos.</a:t>
+            </a:r>
+          </a:p>
+          <a:p>
+            <a:pPr marL="0" marR="0" lvl="0" indent="0" algn="l" defTabSz="914400" rtl="0" eaLnBrk="0" fontAlgn="base" latinLnBrk="0" hangingPunct="0">
+              <a:lnSpc>
+                <a:spcPct val="100000"/>
+              </a:lnSpc>
+              <a:spcBef>
+                <a:spcPct val="0"/>
+              </a:spcBef>
+              <a:spcAft>
+                <a:spcPct val="0"/>
+              </a:spcAft>
+              <a:buClrTx/>
+              <a:buSzTx/>
+              <a:buFontTx/>
+              <a:buChar char="•"/>
+              <a:tabLst/>
+            </a:pPr>
+            <a:r>
+              <a:rPr lang="es-MX" altLang="es-MX">
+                <a:latin typeface="Century Gothic" panose="020B0502020202020204" pitchFamily="34" charset="0"/>
+              </a:rPr>
+              <a:t>Muestra el grafo completo en forma de texto.</a:t>
+            </a:r>
+          </a:p>
+          <a:p>
+            <a:pPr marL="0" marR="0" lvl="0" indent="0" algn="l" defTabSz="914400" rtl="0" eaLnBrk="0" fontAlgn="base" latinLnBrk="0" hangingPunct="0">
+              <a:lnSpc>
+                <a:spcPct val="100000"/>
+              </a:lnSpc>
+              <a:spcBef>
+                <a:spcPct val="0"/>
+              </a:spcBef>
+              <a:spcAft>
+                <a:spcPct val="0"/>
+              </a:spcAft>
+              <a:buClrTx/>
+              <a:buSzTx/>
+              <a:buFontTx/>
+              <a:buChar char="•"/>
+              <a:tabLst/>
+            </a:pPr>
+            <a:r>
+              <a:rPr lang="es-MX" altLang="es-MX">
+                <a:latin typeface="Century Gothic" panose="020B0502020202020204" pitchFamily="34" charset="0"/>
+              </a:rPr>
+              <a:t>Incluye un botón para regresar al menú.</a:t>
+            </a:r>
+          </a:p>
+          <a:p>
+            <a:pPr marL="0" marR="0" lvl="0" indent="0" algn="l" defTabSz="914400" rtl="0" eaLnBrk="0" fontAlgn="base" latinLnBrk="0" hangingPunct="0">
+              <a:lnSpc>
+                <a:spcPct val="100000"/>
+              </a:lnSpc>
+              <a:spcBef>
+                <a:spcPct val="0"/>
+              </a:spcBef>
+              <a:spcAft>
+                <a:spcPct val="0"/>
+              </a:spcAft>
+              <a:buClrTx/>
+              <a:buSzTx/>
+              <a:buFontTx/>
+              <a:buChar char="•"/>
+              <a:tabLst/>
+            </a:pPr>
+            <a:r>
+              <a:rPr lang="es-MX" altLang="es-MX">
+                <a:latin typeface="Century Gothic" panose="020B0502020202020204" pitchFamily="34" charset="0"/>
+              </a:rPr>
+              <a:t>Funciona mediante un GrafoController que gestiona la estructura Grafo usando un mapa de vértices y listas de conexiones.</a:t>
+            </a:r>
+          </a:p>
+        </p:txBody>
+      </p:sp>
     </p:spTree>
     <p:extLst>
       <p:ext uri="{BB962C8B-B14F-4D97-AF65-F5344CB8AC3E}">
-        <p14:creationId xmlns:p14="http://schemas.microsoft.com/office/powerpoint/2010/main" val="3030234357"/>
+        <p14:creationId xmlns:p14="http://schemas.microsoft.com/office/powerpoint/2010/main" val="3195292957"/>
       </p:ext>
     </p:extLst>
   </p:cSld>
@@ -5054,7 +5337,7 @@
           <p:cNvPr id="2" name="Título 1">
             <a:extLst>
               <a:ext uri="{FF2B5EF4-FFF2-40B4-BE49-F238E27FC236}">
-                <a16:creationId xmlns:a16="http://schemas.microsoft.com/office/drawing/2014/main" id="{9D453BF6-9084-43A7-9F86-350C114E7DF5}"/>
+                <a16:creationId xmlns:a16="http://schemas.microsoft.com/office/drawing/2014/main" id="{BD6EBB7F-8BF8-C9DC-529A-329C3E21D38F}"/>
               </a:ext>
             </a:extLst>
           </p:cNvPr>
@@ -5072,149 +5355,71 @@
           <a:p>
             <a:r>
               <a:rPr lang="es-MX" dirty="0"/>
-              <a:t>ESTRUCTURAS NO LINEALES: GRAFO</a:t>
-            </a:r>
-          </a:p>
-        </p:txBody>
-      </p:sp>
-      <p:pic>
-        <p:nvPicPr>
-          <p:cNvPr id="5" name="Marcador de contenido 4">
-            <a:extLst>
-              <a:ext uri="{FF2B5EF4-FFF2-40B4-BE49-F238E27FC236}">
-                <a16:creationId xmlns:a16="http://schemas.microsoft.com/office/drawing/2014/main" id="{FB5930B9-0FDF-706D-391E-0E4821C27DF3}"/>
-              </a:ext>
-            </a:extLst>
-          </p:cNvPr>
-          <p:cNvPicPr>
-            <a:picLocks noGrp="1" noChangeAspect="1"/>
-          </p:cNvPicPr>
+              <a:t>Conclusión </a:t>
+            </a:r>
+          </a:p>
+        </p:txBody>
+      </p:sp>
+      <p:sp>
+        <p:nvSpPr>
+          <p:cNvPr id="3" name="Marcador de contenido 2">
+            <a:extLst>
+              <a:ext uri="{FF2B5EF4-FFF2-40B4-BE49-F238E27FC236}">
+                <a16:creationId xmlns:a16="http://schemas.microsoft.com/office/drawing/2014/main" id="{457DF424-BFE6-EC7F-CB57-4C288375CCD7}"/>
+              </a:ext>
+            </a:extLst>
+          </p:cNvPr>
+          <p:cNvSpPr>
+            <a:spLocks noGrp="1"/>
+          </p:cNvSpPr>
           <p:nvPr>
             <p:ph idx="1"/>
           </p:nvPr>
-        </p:nvPicPr>
-        <p:blipFill>
-          <a:blip r:embed="rId2"/>
-          <a:stretch>
-            <a:fillRect/>
-          </a:stretch>
-        </p:blipFill>
-        <p:spPr>
-          <a:xfrm>
-            <a:off x="108734" y="1548464"/>
-            <a:ext cx="5200711" cy="4882537"/>
-          </a:xfrm>
-        </p:spPr>
-      </p:pic>
-      <p:pic>
-        <p:nvPicPr>
-          <p:cNvPr id="7" name="Imagen 6">
-            <a:extLst>
-              <a:ext uri="{FF2B5EF4-FFF2-40B4-BE49-F238E27FC236}">
-                <a16:creationId xmlns:a16="http://schemas.microsoft.com/office/drawing/2014/main" id="{8670801C-3A99-3FC8-AA53-1A5BAC72BDC3}"/>
-              </a:ext>
-            </a:extLst>
-          </p:cNvPr>
-          <p:cNvPicPr>
-            <a:picLocks noChangeAspect="1"/>
-          </p:cNvPicPr>
-          <p:nvPr/>
-        </p:nvPicPr>
-        <p:blipFill>
-          <a:blip r:embed="rId3"/>
-          <a:stretch>
-            <a:fillRect/>
-          </a:stretch>
-        </p:blipFill>
-        <p:spPr>
-          <a:xfrm>
-            <a:off x="5409006" y="1548463"/>
-            <a:ext cx="4002122" cy="2811349"/>
-          </a:xfrm>
-          <a:prstGeom prst="rect">
-            <a:avLst/>
-          </a:prstGeom>
-        </p:spPr>
-      </p:pic>
-      <p:sp>
-        <p:nvSpPr>
-          <p:cNvPr id="9" name="CuadroTexto 8">
-            <a:extLst>
-              <a:ext uri="{FF2B5EF4-FFF2-40B4-BE49-F238E27FC236}">
-                <a16:creationId xmlns:a16="http://schemas.microsoft.com/office/drawing/2014/main" id="{25430C58-F2E6-7514-9F2A-61A608996A94}"/>
-              </a:ext>
-            </a:extLst>
-          </p:cNvPr>
-          <p:cNvSpPr txBox="1"/>
-          <p:nvPr/>
-        </p:nvSpPr>
-        <p:spPr>
-          <a:xfrm>
-            <a:off x="5494877" y="4414027"/>
-            <a:ext cx="6474515" cy="2308324"/>
-          </a:xfrm>
-          <a:prstGeom prst="rect">
-            <a:avLst/>
-          </a:prstGeom>
-          <a:noFill/>
-        </p:spPr>
-        <p:txBody>
-          <a:bodyPr wrap="square">
-            <a:spAutoFit/>
+        </p:nvSpPr>
+        <p:spPr/>
+        <p:txBody>
+          <a:bodyPr>
+            <a:normAutofit lnSpcReduction="10000"/>
           </a:bodyPr>
           <a:lstStyle/>
           <a:p>
-            <a:r>
-              <a:rPr lang="es-MX" sz="2400" dirty="0"/>
-              <a:t>Este código sirve para </a:t>
-            </a:r>
-            <a:r>
-              <a:rPr lang="es-MX" sz="2400" b="1" dirty="0"/>
-              <a:t>recorrer un grafo usando el algoritmo DFS (Depth </a:t>
-            </a:r>
-            <a:r>
-              <a:rPr lang="es-MX" sz="2400" b="1" dirty="0" err="1"/>
-              <a:t>First</a:t>
-            </a:r>
-            <a:r>
-              <a:rPr lang="es-MX" sz="2400" b="1" dirty="0"/>
-              <a:t> </a:t>
-            </a:r>
-            <a:r>
-              <a:rPr lang="es-MX" sz="2400" b="1" dirty="0" err="1"/>
-              <a:t>Search</a:t>
-            </a:r>
-            <a:r>
-              <a:rPr lang="es-MX" sz="2400" b="1" dirty="0"/>
-              <a:t>)</a:t>
-            </a:r>
-            <a:r>
-              <a:rPr lang="es-MX" sz="2400" dirty="0"/>
-              <a:t>, es decir, </a:t>
-            </a:r>
-            <a:r>
-              <a:rPr lang="es-MX" sz="2400" b="1" dirty="0"/>
-              <a:t>recorrido en profundidad</a:t>
-            </a:r>
-            <a:r>
-              <a:rPr lang="es-MX" sz="2400" dirty="0"/>
-              <a:t>.</a:t>
-            </a:r>
-            <a:br>
-              <a:rPr lang="es-MX" sz="2400" dirty="0"/>
-            </a:br>
-            <a:r>
-              <a:rPr lang="es-MX" sz="2400" b="1" dirty="0"/>
-              <a:t>Permite visitar todos los nodos de un grafo empezando desde uno inicial, yendo lo más profundo posible antes de regresar.</a:t>
-            </a:r>
-            <a:endParaRPr lang="es-MX" sz="2400" dirty="0"/>
+            <a:pPr marL="0" indent="0">
+              <a:buNone/>
+            </a:pPr>
+            <a:r>
+              <a:rPr lang="es-MX" dirty="0"/>
+              <a:t>Los ejercicios desarrollados demuestran la importancia de las estructuras de datos no lineales en la programación y en la solución de problemas complejos. Mediante la implementación de árboles y grafos, fue posible comprender cómo se almacenan los datos, cómo se establecen relaciones entre ellos y cómo se recorren utilizando distintos algoritmos.</a:t>
+            </a:r>
+          </a:p>
+          <a:p>
+            <a:pPr marL="0" indent="0">
+              <a:buNone/>
+            </a:pPr>
+            <a:r>
+              <a:rPr lang="es-MX" dirty="0"/>
+              <a:t>El uso de Java y </a:t>
+            </a:r>
+            <a:r>
+              <a:rPr lang="es-MX" dirty="0" err="1"/>
+              <a:t>JavaFX</a:t>
+            </a:r>
+            <a:r>
+              <a:rPr lang="es-MX" dirty="0"/>
+              <a:t> permitió integrar la lógica de programación con interfaces gráficas funcionales, facilitando la visualización de resultados y reforzando el aprendizaje práctico. En conclusión, este trabajo contribuye al desarrollo de habilidades fundamentales para el diseño y análisis de estructuras de datos en el ámbito de la ingeniería en sistemas.</a:t>
+            </a:r>
+          </a:p>
+          <a:p>
+            <a:pPr marL="0" indent="0">
+              <a:buNone/>
+            </a:pPr>
+            <a:endParaRPr lang="es-MX" dirty="0"/>
           </a:p>
         </p:txBody>
       </p:sp>
     </p:spTree>
     <p:extLst>
       <p:ext uri="{BB962C8B-B14F-4D97-AF65-F5344CB8AC3E}">
-        <p14:creationId xmlns:p14="http://schemas.microsoft.com/office/powerpoint/2010/main" val="876089457"/>
+        <p14:creationId xmlns:p14="http://schemas.microsoft.com/office/powerpoint/2010/main" val="2119066793"/>
       </p:ext>
     </p:extLst>
   </p:cSld>
@@ -5246,237 +5451,6 @@
           <p:cNvPr id="2" name="Título 1">
             <a:extLst>
               <a:ext uri="{FF2B5EF4-FFF2-40B4-BE49-F238E27FC236}">
-                <a16:creationId xmlns:a16="http://schemas.microsoft.com/office/drawing/2014/main" id="{795E6839-C9C8-3665-6904-08D4F92E26F3}"/>
-              </a:ext>
-            </a:extLst>
-          </p:cNvPr>
-          <p:cNvSpPr>
-            <a:spLocks noGrp="1"/>
-          </p:cNvSpPr>
-          <p:nvPr>
-            <p:ph type="title"/>
-          </p:nvPr>
-        </p:nvSpPr>
-        <p:spPr/>
-        <p:txBody>
-          <a:bodyPr/>
-          <a:lstStyle/>
-          <a:p>
-            <a:r>
-              <a:rPr lang="es-MX" dirty="0"/>
-              <a:t>Resultados de grafo </a:t>
-            </a:r>
-          </a:p>
-        </p:txBody>
-      </p:sp>
-      <p:pic>
-        <p:nvPicPr>
-          <p:cNvPr id="5" name="Marcador de contenido 4">
-            <a:extLst>
-              <a:ext uri="{FF2B5EF4-FFF2-40B4-BE49-F238E27FC236}">
-                <a16:creationId xmlns:a16="http://schemas.microsoft.com/office/drawing/2014/main" id="{EB9930C7-925F-2DE4-4B51-A4C334BE4901}"/>
-              </a:ext>
-            </a:extLst>
-          </p:cNvPr>
-          <p:cNvPicPr>
-            <a:picLocks noGrp="1" noChangeAspect="1"/>
-          </p:cNvPicPr>
-          <p:nvPr>
-            <p:ph idx="1"/>
-          </p:nvPr>
-        </p:nvPicPr>
-        <p:blipFill>
-          <a:blip r:embed="rId2"/>
-          <a:stretch>
-            <a:fillRect/>
-          </a:stretch>
-        </p:blipFill>
-        <p:spPr>
-          <a:xfrm>
-            <a:off x="838200" y="1585944"/>
-            <a:ext cx="6913474" cy="2338784"/>
-          </a:xfrm>
-        </p:spPr>
-      </p:pic>
-      <p:pic>
-        <p:nvPicPr>
-          <p:cNvPr id="7" name="Imagen 6">
-            <a:extLst>
-              <a:ext uri="{FF2B5EF4-FFF2-40B4-BE49-F238E27FC236}">
-                <a16:creationId xmlns:a16="http://schemas.microsoft.com/office/drawing/2014/main" id="{7917CD10-86D3-0718-996C-992D1ACE2FE0}"/>
-              </a:ext>
-            </a:extLst>
-          </p:cNvPr>
-          <p:cNvPicPr>
-            <a:picLocks noChangeAspect="1"/>
-          </p:cNvPicPr>
-          <p:nvPr/>
-        </p:nvPicPr>
-        <p:blipFill>
-          <a:blip r:embed="rId3"/>
-          <a:stretch>
-            <a:fillRect/>
-          </a:stretch>
-        </p:blipFill>
-        <p:spPr>
-          <a:xfrm>
-            <a:off x="8036056" y="1585944"/>
-            <a:ext cx="3179756" cy="4905910"/>
-          </a:xfrm>
-          <a:prstGeom prst="rect">
-            <a:avLst/>
-          </a:prstGeom>
-        </p:spPr>
-      </p:pic>
-    </p:spTree>
-    <p:extLst>
-      <p:ext uri="{BB962C8B-B14F-4D97-AF65-F5344CB8AC3E}">
-        <p14:creationId xmlns:p14="http://schemas.microsoft.com/office/powerpoint/2010/main" val="821866992"/>
-      </p:ext>
-    </p:extLst>
-  </p:cSld>
-  <p:clrMapOvr>
-    <a:masterClrMapping/>
-  </p:clrMapOvr>
-</p:sld>
-</file>
-
-<file path=ppt/slides/slide8.xml><?xml version="1.0" encoding="utf-8"?>
-<p:sld xmlns:a="http://schemas.openxmlformats.org/drawingml/2006/main" xmlns:r="http://schemas.openxmlformats.org/officeDocument/2006/relationships" xmlns:p="http://schemas.openxmlformats.org/presentationml/2006/main">
-  <p:cSld>
-    <p:spTree>
-      <p:nvGrpSpPr>
-        <p:cNvPr id="1" name=""/>
-        <p:cNvGrpSpPr/>
-        <p:nvPr/>
-      </p:nvGrpSpPr>
-      <p:grpSpPr>
-        <a:xfrm>
-          <a:off x="0" y="0"/>
-          <a:ext cx="0" cy="0"/>
-          <a:chOff x="0" y="0"/>
-          <a:chExt cx="0" cy="0"/>
-        </a:xfrm>
-      </p:grpSpPr>
-      <p:sp>
-        <p:nvSpPr>
-          <p:cNvPr id="2" name="Título 1">
-            <a:extLst>
-              <a:ext uri="{FF2B5EF4-FFF2-40B4-BE49-F238E27FC236}">
-                <a16:creationId xmlns:a16="http://schemas.microsoft.com/office/drawing/2014/main" id="{BD6EBB7F-8BF8-C9DC-529A-329C3E21D38F}"/>
-              </a:ext>
-            </a:extLst>
-          </p:cNvPr>
-          <p:cNvSpPr>
-            <a:spLocks noGrp="1"/>
-          </p:cNvSpPr>
-          <p:nvPr>
-            <p:ph type="title"/>
-          </p:nvPr>
-        </p:nvSpPr>
-        <p:spPr/>
-        <p:txBody>
-          <a:bodyPr/>
-          <a:lstStyle/>
-          <a:p>
-            <a:r>
-              <a:rPr lang="es-MX" dirty="0"/>
-              <a:t>Conclusión </a:t>
-            </a:r>
-          </a:p>
-        </p:txBody>
-      </p:sp>
-      <p:sp>
-        <p:nvSpPr>
-          <p:cNvPr id="3" name="Marcador de contenido 2">
-            <a:extLst>
-              <a:ext uri="{FF2B5EF4-FFF2-40B4-BE49-F238E27FC236}">
-                <a16:creationId xmlns:a16="http://schemas.microsoft.com/office/drawing/2014/main" id="{457DF424-BFE6-EC7F-CB57-4C288375CCD7}"/>
-              </a:ext>
-            </a:extLst>
-          </p:cNvPr>
-          <p:cNvSpPr>
-            <a:spLocks noGrp="1"/>
-          </p:cNvSpPr>
-          <p:nvPr>
-            <p:ph idx="1"/>
-          </p:nvPr>
-        </p:nvSpPr>
-        <p:spPr/>
-        <p:txBody>
-          <a:bodyPr>
-            <a:normAutofit lnSpcReduction="10000"/>
-          </a:bodyPr>
-          <a:lstStyle/>
-          <a:p>
-            <a:pPr marL="0" indent="0">
-              <a:buNone/>
-            </a:pPr>
-            <a:r>
-              <a:rPr lang="es-MX" dirty="0"/>
-              <a:t>Los ejercicios desarrollados demuestran la importancia de las estructuras de datos no lineales en la programación y en la solución de problemas complejos. Mediante la implementación de árboles y grafos, fue posible comprender cómo se almacenan los datos, cómo se establecen relaciones entre ellos y cómo se recorren utilizando distintos algoritmos.</a:t>
-            </a:r>
-          </a:p>
-          <a:p>
-            <a:pPr marL="0" indent="0">
-              <a:buNone/>
-            </a:pPr>
-            <a:r>
-              <a:rPr lang="es-MX" dirty="0"/>
-              <a:t>El uso de Java y </a:t>
-            </a:r>
-            <a:r>
-              <a:rPr lang="es-MX" dirty="0" err="1"/>
-              <a:t>JavaFX</a:t>
-            </a:r>
-            <a:r>
-              <a:rPr lang="es-MX" dirty="0"/>
-              <a:t> permitió integrar la lógica de programación con interfaces gráficas funcionales, facilitando la visualización de resultados y reforzando el aprendizaje práctico. En conclusión, este trabajo contribuye al desarrollo de habilidades fundamentales para el diseño y análisis de estructuras de datos en el ámbito de la ingeniería en sistemas.</a:t>
-            </a:r>
-          </a:p>
-          <a:p>
-            <a:pPr marL="0" indent="0">
-              <a:buNone/>
-            </a:pPr>
-            <a:endParaRPr lang="es-MX" dirty="0"/>
-          </a:p>
-        </p:txBody>
-      </p:sp>
-    </p:spTree>
-    <p:extLst>
-      <p:ext uri="{BB962C8B-B14F-4D97-AF65-F5344CB8AC3E}">
-        <p14:creationId xmlns:p14="http://schemas.microsoft.com/office/powerpoint/2010/main" val="2119066793"/>
-      </p:ext>
-    </p:extLst>
-  </p:cSld>
-  <p:clrMapOvr>
-    <a:masterClrMapping/>
-  </p:clrMapOvr>
-</p:sld>
-</file>
-
-<file path=ppt/slides/slide9.xml><?xml version="1.0" encoding="utf-8"?>
-<p:sld xmlns:a="http://schemas.openxmlformats.org/drawingml/2006/main" xmlns:r="http://schemas.openxmlformats.org/officeDocument/2006/relationships" xmlns:p="http://schemas.openxmlformats.org/presentationml/2006/main">
-  <p:cSld>
-    <p:spTree>
-      <p:nvGrpSpPr>
-        <p:cNvPr id="1" name=""/>
-        <p:cNvGrpSpPr/>
-        <p:nvPr/>
-      </p:nvGrpSpPr>
-      <p:grpSpPr>
-        <a:xfrm>
-          <a:off x="0" y="0"/>
-          <a:ext cx="0" cy="0"/>
-          <a:chOff x="0" y="0"/>
-          <a:chExt cx="0" cy="0"/>
-        </a:xfrm>
-      </p:grpSpPr>
-      <p:sp>
-        <p:nvSpPr>
-          <p:cNvPr id="2" name="Título 1">
-            <a:extLst>
-              <a:ext uri="{FF2B5EF4-FFF2-40B4-BE49-F238E27FC236}">
                 <a16:creationId xmlns:a16="http://schemas.microsoft.com/office/drawing/2014/main" id="{A0CDB8E8-E97C-D8E5-B3EF-86C4914E262B}"/>
               </a:ext>
             </a:extLst>
@@ -5510,10 +5484,10 @@
       </p:sp>
       <p:sp>
         <p:nvSpPr>
-          <p:cNvPr id="3" name="Marcador de contenido 2">
-            <a:extLst>
-              <a:ext uri="{FF2B5EF4-FFF2-40B4-BE49-F238E27FC236}">
-                <a16:creationId xmlns:a16="http://schemas.microsoft.com/office/drawing/2014/main" id="{4BD73892-1C82-A195-C5C4-737F39E22683}"/>
+          <p:cNvPr id="5" name="Marcador de contenido 4">
+            <a:extLst>
+              <a:ext uri="{FF2B5EF4-FFF2-40B4-BE49-F238E27FC236}">
+                <a16:creationId xmlns:a16="http://schemas.microsoft.com/office/drawing/2014/main" id="{B2815B7F-54CD-9466-E0C1-B1FD19773391}"/>
               </a:ext>
             </a:extLst>
           </p:cNvPr>
@@ -5524,31 +5498,12 @@
             <p:ph idx="1"/>
           </p:nvPr>
         </p:nvSpPr>
-        <p:spPr>
-          <a:xfrm>
-            <a:off x="360880" y="2203200"/>
-            <a:ext cx="11470240" cy="1225800"/>
-          </a:xfrm>
-        </p:spPr>
+        <p:spPr/>
         <p:txBody>
           <a:bodyPr/>
           <a:lstStyle/>
           <a:p>
-            <a:pPr marL="0" indent="0">
-              <a:buNone/>
-            </a:pPr>
-            <a:r>
-              <a:rPr lang="es-MX" dirty="0">
-                <a:hlinkClick r:id="rId2">
-                  <a:extLst>
-                    <a:ext uri="{A12FA001-AC4F-418D-AE19-62706E023703}">
-                      <ahyp:hlinkClr xmlns:ahyp="http://schemas.microsoft.com/office/drawing/2018/hyperlinkcolor" val="tx"/>
-                    </a:ext>
-                  </a:extLst>
-                </a:hlinkClick>
-              </a:rPr>
-              <a:t>https://github.com/Cynthia21Morales/EstructuraDeDatos_CynthiaJasmineMT/tree/main/ED-Tema-4/Codigos_Arboles%20y%20Grafos</a:t>
-            </a:r>
+            <a:endParaRPr lang="es-MX"/>
           </a:p>
         </p:txBody>
       </p:sp>

--- a/ED-Tema-4/4.3 Ejercicios_Cynthia Jasmine Morales Torres.pptx
+++ b/ED-Tema-4/4.3 Ejercicios_Cynthia Jasmine Morales Torres.pptx
@@ -5498,12 +5498,25 @@
             <p:ph idx="1"/>
           </p:nvPr>
         </p:nvSpPr>
-        <p:spPr/>
+        <p:spPr>
+          <a:xfrm>
+            <a:off x="838200" y="1825625"/>
+            <a:ext cx="10515600" cy="917575"/>
+          </a:xfrm>
+        </p:spPr>
         <p:txBody>
           <a:bodyPr/>
           <a:lstStyle/>
           <a:p>
-            <a:endParaRPr lang="es-MX"/>
+            <a:pPr marL="0" indent="0">
+              <a:buNone/>
+            </a:pPr>
+            <a:r>
+              <a:rPr lang="es-MX" dirty="0">
+                <a:hlinkClick r:id="rId2"/>
+              </a:rPr>
+              <a:t>https://github.com/Cynthia21Morales/EstructuraDeDatos_CynthiaJasmineMT/tree/main/ED-Tema-4/EstructurasNoLineales</a:t>
+            </a:r>
           </a:p>
         </p:txBody>
       </p:sp>
